--- a/KO final.pptx
+++ b/KO final.pptx
@@ -361,7 +361,7 @@
           <a:p>
             <a:fld id="{1FD00883-6618-4816-A7E8-192F7908481C}" type="datetimeFigureOut">
               <a:rPr lang="en-US" smtClean="0"/>
-              <a:t>1/7/2019</a:t>
+              <a:t>09-Jan-19</a:t>
             </a:fld>
             <a:endParaRPr lang="en-US"/>
           </a:p>
@@ -551,7 +551,7 @@
           <a:p>
             <a:fld id="{1FD00883-6618-4816-A7E8-192F7908481C}" type="datetimeFigureOut">
               <a:rPr lang="en-US" smtClean="0"/>
-              <a:t>1/7/2019</a:t>
+              <a:t>09-Jan-19</a:t>
             </a:fld>
             <a:endParaRPr lang="en-US"/>
           </a:p>
@@ -731,7 +731,7 @@
           <a:p>
             <a:fld id="{1FD00883-6618-4816-A7E8-192F7908481C}" type="datetimeFigureOut">
               <a:rPr lang="en-US" smtClean="0"/>
-              <a:t>1/7/2019</a:t>
+              <a:t>09-Jan-19</a:t>
             </a:fld>
             <a:endParaRPr lang="en-US"/>
           </a:p>
@@ -901,7 +901,7 @@
           <a:p>
             <a:fld id="{1FD00883-6618-4816-A7E8-192F7908481C}" type="datetimeFigureOut">
               <a:rPr lang="en-US" smtClean="0"/>
-              <a:t>1/7/2019</a:t>
+              <a:t>09-Jan-19</a:t>
             </a:fld>
             <a:endParaRPr lang="en-US"/>
           </a:p>
@@ -1157,7 +1157,7 @@
           <a:p>
             <a:fld id="{1FD00883-6618-4816-A7E8-192F7908481C}" type="datetimeFigureOut">
               <a:rPr lang="en-US" smtClean="0"/>
-              <a:t>1/7/2019</a:t>
+              <a:t>09-Jan-19</a:t>
             </a:fld>
             <a:endParaRPr lang="en-US"/>
           </a:p>
@@ -1455,7 +1455,7 @@
           <a:p>
             <a:fld id="{1FD00883-6618-4816-A7E8-192F7908481C}" type="datetimeFigureOut">
               <a:rPr lang="en-US" smtClean="0"/>
-              <a:t>1/7/2019</a:t>
+              <a:t>09-Jan-19</a:t>
             </a:fld>
             <a:endParaRPr lang="en-US"/>
           </a:p>
@@ -1893,7 +1893,7 @@
           <a:p>
             <a:fld id="{1FD00883-6618-4816-A7E8-192F7908481C}" type="datetimeFigureOut">
               <a:rPr lang="en-US" smtClean="0"/>
-              <a:t>1/7/2019</a:t>
+              <a:t>09-Jan-19</a:t>
             </a:fld>
             <a:endParaRPr lang="en-US"/>
           </a:p>
@@ -2011,7 +2011,7 @@
           <a:p>
             <a:fld id="{1FD00883-6618-4816-A7E8-192F7908481C}" type="datetimeFigureOut">
               <a:rPr lang="en-US" smtClean="0"/>
-              <a:t>1/7/2019</a:t>
+              <a:t>09-Jan-19</a:t>
             </a:fld>
             <a:endParaRPr lang="en-US"/>
           </a:p>
@@ -2106,7 +2106,7 @@
           <a:p>
             <a:fld id="{1FD00883-6618-4816-A7E8-192F7908481C}" type="datetimeFigureOut">
               <a:rPr lang="en-US" smtClean="0"/>
-              <a:t>1/7/2019</a:t>
+              <a:t>09-Jan-19</a:t>
             </a:fld>
             <a:endParaRPr lang="en-US"/>
           </a:p>
@@ -2462,7 +2462,7 @@
           <a:p>
             <a:fld id="{1FD00883-6618-4816-A7E8-192F7908481C}" type="datetimeFigureOut">
               <a:rPr lang="en-US" smtClean="0"/>
-              <a:t>1/7/2019</a:t>
+              <a:t>09-Jan-19</a:t>
             </a:fld>
             <a:endParaRPr lang="en-US"/>
           </a:p>
@@ -2778,7 +2778,7 @@
           <a:p>
             <a:fld id="{1FD00883-6618-4816-A7E8-192F7908481C}" type="datetimeFigureOut">
               <a:rPr lang="en-US" smtClean="0"/>
-              <a:t>1/7/2019</a:t>
+              <a:t>09-Jan-19</a:t>
             </a:fld>
             <a:endParaRPr lang="en-US"/>
           </a:p>
@@ -3011,7 +3011,7 @@
           <a:p>
             <a:fld id="{1FD00883-6618-4816-A7E8-192F7908481C}" type="datetimeFigureOut">
               <a:rPr lang="en-US" smtClean="0"/>
-              <a:t>1/7/2019</a:t>
+              <a:t>09-Jan-19</a:t>
             </a:fld>
             <a:endParaRPr lang="en-US"/>
           </a:p>
@@ -3512,13 +3512,6 @@
   <p:clrMapOvr>
     <a:masterClrMapping/>
   </p:clrMapOvr>
-  <p:timing>
-    <p:tnLst>
-      <p:par>
-        <p:cTn id="1" dur="indefinite" restart="never" nodeType="tmRoot"/>
-      </p:par>
-    </p:tnLst>
-  </p:timing>
 </p:sld>
 </file>
 
@@ -3717,13 +3710,6 @@
   <p:transition spd="slow">
     <p:push dir="u"/>
   </p:transition>
-  <p:timing>
-    <p:tnLst>
-      <p:par>
-        <p:cTn id="1" dur="indefinite" restart="never" nodeType="tmRoot"/>
-      </p:par>
-    </p:tnLst>
-  </p:timing>
 </p:sld>
 </file>
 
@@ -3802,13 +3788,6 @@
   <p:transition spd="slow">
     <p:push dir="u"/>
   </p:transition>
-  <p:timing>
-    <p:tnLst>
-      <p:par>
-        <p:cTn id="1" dur="indefinite" restart="never" nodeType="tmRoot"/>
-      </p:par>
-    </p:tnLst>
-  </p:timing>
 </p:sld>
 </file>
 
@@ -3884,7 +3863,7 @@
             </a:pPr>
             <a:r>
               <a:rPr lang="en-US" dirty="0"/>
-              <a:t>Understand the marketplace </a:t>
+              <a:t>Understand the marketplace. </a:t>
             </a:r>
           </a:p>
           <a:p>
@@ -3898,7 +3877,7 @@
             </a:pPr>
             <a:r>
               <a:rPr lang="en-US" dirty="0"/>
-              <a:t>Provide insight into what attributes would make a successful campaign </a:t>
+              <a:t>Provide insight into what attributes would make a successful campaign. </a:t>
             </a:r>
           </a:p>
           <a:p>
@@ -3912,13 +3891,8 @@
             </a:pPr>
             <a:r>
               <a:rPr lang="en-US" dirty="0"/>
-              <a:t>Tailor the funding goal per campaign </a:t>
-            </a:r>
-            <a:r>
-              <a:rPr lang="en-US" dirty="0" smtClean="0"/>
-              <a:t>specifics</a:t>
-            </a:r>
-            <a:endParaRPr lang="en-US" dirty="0"/>
+              <a:t>Tailor the funding goal per campaign specifics.</a:t>
+            </a:r>
           </a:p>
           <a:p>
             <a:pPr marL="433388" indent="-342900" fontAlgn="base">
@@ -3966,7 +3940,7 @@
           <a:graphicData uri="http://schemas.openxmlformats.org/presentationml/2006/ole">
             <mc:AlternateContent xmlns:mc="http://schemas.openxmlformats.org/markup-compatibility/2006">
               <mc:Choice xmlns:v="urn:schemas-microsoft-com:vml" Requires="v">
-                <p:oleObj spid="_x0000_s3467" name="Image" r:id="rId3" imgW="780120" imgH="682560" progId="Photoshop.Image.13">
+                <p:oleObj spid="_x0000_s3473" name="Image" r:id="rId3" imgW="780120" imgH="682560" progId="Photoshop.Image.13">
                   <p:embed/>
                 </p:oleObj>
               </mc:Choice>
@@ -4023,7 +3997,7 @@
           <a:graphicData uri="http://schemas.openxmlformats.org/presentationml/2006/ole">
             <mc:AlternateContent xmlns:mc="http://schemas.openxmlformats.org/markup-compatibility/2006">
               <mc:Choice xmlns:v="urn:schemas-microsoft-com:vml" Requires="v">
-                <p:oleObj spid="_x0000_s3468" name="Image" r:id="rId5" imgW="780120" imgH="780120" progId="Photoshop.Image.13">
+                <p:oleObj spid="_x0000_s3474" name="Image" r:id="rId5" imgW="780120" imgH="780120" progId="Photoshop.Image.13">
                   <p:embed/>
                 </p:oleObj>
               </mc:Choice>
@@ -4080,7 +4054,7 @@
           <a:graphicData uri="http://schemas.openxmlformats.org/presentationml/2006/ole">
             <mc:AlternateContent xmlns:mc="http://schemas.openxmlformats.org/markup-compatibility/2006">
               <mc:Choice xmlns:v="urn:schemas-microsoft-com:vml" Requires="v">
-                <p:oleObj spid="_x0000_s3469" name="Image" r:id="rId7" imgW="780120" imgH="780120" progId="Photoshop.Image.13">
+                <p:oleObj spid="_x0000_s3475" name="Image" r:id="rId7" imgW="780120" imgH="780120" progId="Photoshop.Image.13">
                   <p:embed/>
                 </p:oleObj>
               </mc:Choice>
@@ -4525,13 +4499,6 @@
   <p:transition spd="slow">
     <p:push dir="u"/>
   </p:transition>
-  <p:timing>
-    <p:tnLst>
-      <p:par>
-        <p:cTn id="1" dur="indefinite" restart="never" nodeType="tmRoot"/>
-      </p:par>
-    </p:tnLst>
-  </p:timing>
 </p:sld>
 </file>
 
@@ -4788,13 +4755,8 @@
             </a:pPr>
             <a:r>
               <a:rPr lang="en-US" dirty="0"/>
-              <a:t>Pledged </a:t>
-            </a:r>
-            <a:r>
-              <a:rPr lang="en-US" dirty="0" smtClean="0"/>
-              <a:t>percent</a:t>
-            </a:r>
-            <a:endParaRPr lang="en-US" dirty="0"/>
+              <a:t>Pledged percent</a:t>
+            </a:r>
           </a:p>
           <a:p>
             <a:pPr marL="400050" indent="-400050" fontAlgn="base">
@@ -4821,11 +4783,7 @@
             </a:pPr>
             <a:r>
               <a:rPr lang="en-US" dirty="0"/>
-              <a:t>Number of existing or recent campaigns in the </a:t>
-            </a:r>
-            <a:r>
-              <a:rPr lang="en-US" dirty="0" smtClean="0"/>
-              <a:t>category</a:t>
+              <a:t>Number of existing or recent campaigns in the category</a:t>
             </a:r>
           </a:p>
           <a:p>
@@ -4838,14 +4796,13 @@
               <a:buChar char="o"/>
             </a:pPr>
             <a:r>
-              <a:rPr lang="en-US" b="1" dirty="0" err="1" smtClean="0"/>
+              <a:rPr lang="en-US" b="1" dirty="0" err="1"/>
               <a:t>Mean&amp;Median</a:t>
             </a:r>
             <a:r>
-              <a:rPr lang="en-US" b="1" dirty="0" smtClean="0"/>
+              <a:rPr lang="en-US" b="1" dirty="0"/>
               <a:t> goal, pledged and pledged percent </a:t>
             </a:r>
-            <a:endParaRPr lang="en-US" b="1" dirty="0"/>
           </a:p>
         </p:txBody>
       </p:sp>
@@ -4871,7 +4828,7 @@
           <a:lstStyle/>
           <a:p>
             <a:r>
-              <a:rPr lang="en-US" sz="5400" spc="-120" dirty="0" smtClean="0">
+              <a:rPr lang="en-US" sz="5400" spc="-120" dirty="0">
                 <a:solidFill>
                   <a:schemeClr val="accent1"/>
                 </a:solidFill>
@@ -4879,18 +4836,7 @@
                 <a:ea typeface="+mj-ea"/>
                 <a:cs typeface="+mj-cs"/>
               </a:rPr>
-              <a:t>200K</a:t>
-            </a:r>
-            <a:r>
-              <a:rPr lang="en-US" sz="5400" spc="-120" dirty="0">
-                <a:solidFill>
-                  <a:schemeClr val="accent1"/>
-                </a:solidFill>
-                <a:latin typeface="+mj-lt"/>
-                <a:ea typeface="+mj-ea"/>
-                <a:cs typeface="+mj-cs"/>
-              </a:rPr>
-              <a:t>+</a:t>
+              <a:t>200K+</a:t>
             </a:r>
           </a:p>
         </p:txBody>
@@ -5788,13 +5734,6 @@
   <p:transition spd="slow">
     <p:push/>
   </p:transition>
-  <p:timing>
-    <p:tnLst>
-      <p:par>
-        <p:cTn id="1" dur="indefinite" restart="never" nodeType="tmRoot"/>
-      </p:par>
-    </p:tnLst>
-  </p:timing>
 </p:sld>
 </file>
 
@@ -5874,13 +5813,6 @@
   <p:transition spd="slow">
     <p:push dir="u"/>
   </p:transition>
-  <p:timing>
-    <p:tnLst>
-      <p:par>
-        <p:cTn id="1" dur="indefinite" restart="never" nodeType="tmRoot"/>
-      </p:par>
-    </p:tnLst>
-  </p:timing>
 </p:sld>
 </file>
 
@@ -5946,7 +5878,7 @@
           </a:lstStyle>
           <a:p>
             <a:r>
-              <a:rPr lang="en-US" sz="2000" dirty="0" smtClean="0"/>
+              <a:rPr lang="en-US" sz="2000" dirty="0"/>
               <a:t>Success</a:t>
             </a:r>
             <a:endParaRPr lang="he-IL" sz="2000" dirty="0"/>
@@ -6268,27 +6200,8 @@
                   </a:prstClr>
                 </a:solidFill>
               </a:rPr>
-              <a:t>Name is an </a:t>
-            </a:r>
-            <a:r>
-              <a:rPr lang="en-US" sz="2000" dirty="0" smtClean="0">
-                <a:solidFill>
-                  <a:prstClr val="black">
-                    <a:lumMod val="85000"/>
-                    <a:lumOff val="15000"/>
-                  </a:prstClr>
-                </a:solidFill>
-              </a:rPr>
-              <a:t>exclamation? </a:t>
-            </a:r>
-            <a:endParaRPr lang="en-US" sz="2000" dirty="0">
-              <a:solidFill>
-                <a:prstClr val="black">
-                  <a:lumMod val="85000"/>
-                  <a:lumOff val="15000"/>
-                </a:prstClr>
-              </a:solidFill>
-            </a:endParaRPr>
+              <a:t>Name is an exclamation? </a:t>
+            </a:r>
           </a:p>
           <a:p>
             <a:pPr marL="342900" lvl="0" indent="-342900">
@@ -6314,27 +6227,8 @@
                   </a:prstClr>
                 </a:solidFill>
               </a:rPr>
-              <a:t>Name letters are </a:t>
-            </a:r>
-            <a:r>
-              <a:rPr lang="en-US" sz="2000" dirty="0" smtClean="0">
-                <a:solidFill>
-                  <a:prstClr val="black">
-                    <a:lumMod val="85000"/>
-                    <a:lumOff val="15000"/>
-                  </a:prstClr>
-                </a:solidFill>
-              </a:rPr>
-              <a:t>upper? </a:t>
-            </a:r>
-            <a:endParaRPr lang="en-US" sz="2000" dirty="0">
-              <a:solidFill>
-                <a:prstClr val="black">
-                  <a:lumMod val="85000"/>
-                  <a:lumOff val="15000"/>
-                </a:prstClr>
-              </a:solidFill>
-            </a:endParaRPr>
+              <a:t>Name letters are upper? </a:t>
+            </a:r>
           </a:p>
           <a:p>
             <a:pPr marL="342900" lvl="0" indent="-342900">
@@ -6776,7 +6670,7 @@
               <a:buSzPct val="150000"/>
             </a:pPr>
             <a:r>
-              <a:rPr lang="en-US" sz="2000" dirty="0" smtClean="0">
+              <a:rPr lang="en-US" sz="2000" dirty="0">
                 <a:solidFill>
                   <a:prstClr val="black">
                     <a:lumMod val="85000"/>
@@ -6786,14 +6680,6 @@
               </a:rPr>
               <a:t>36.6</a:t>
             </a:r>
-            <a:endParaRPr lang="en-US" sz="2000" dirty="0">
-              <a:solidFill>
-                <a:prstClr val="black">
-                  <a:lumMod val="85000"/>
-                  <a:lumOff val="15000"/>
-                </a:prstClr>
-              </a:solidFill>
-            </a:endParaRPr>
           </a:p>
           <a:p>
             <a:pPr lvl="0">
@@ -6862,7 +6748,7 @@
               <a:buSzPct val="150000"/>
             </a:pPr>
             <a:r>
-              <a:rPr lang="en-US" sz="2000" dirty="0" smtClean="0">
+              <a:rPr lang="en-US" sz="2000" dirty="0">
                 <a:solidFill>
                   <a:prstClr val="black">
                     <a:lumMod val="85000"/>
@@ -6872,14 +6758,6 @@
               </a:rPr>
               <a:t>0.033</a:t>
             </a:r>
-            <a:endParaRPr lang="en-US" sz="2000" dirty="0">
-              <a:solidFill>
-                <a:prstClr val="black">
-                  <a:lumMod val="85000"/>
-                  <a:lumOff val="15000"/>
-                </a:prstClr>
-              </a:solidFill>
-            </a:endParaRPr>
           </a:p>
           <a:p>
             <a:pPr lvl="0">
@@ -6895,7 +6773,7 @@
               <a:buSzPct val="150000"/>
             </a:pPr>
             <a:r>
-              <a:rPr lang="en-US" sz="2000" dirty="0" smtClean="0">
+              <a:rPr lang="en-US" sz="2000" dirty="0">
                 <a:solidFill>
                   <a:prstClr val="black">
                     <a:lumMod val="85000"/>
@@ -6905,14 +6783,6 @@
               </a:rPr>
               <a:t>6.7</a:t>
             </a:r>
-            <a:endParaRPr lang="en-US" sz="2000" dirty="0">
-              <a:solidFill>
-                <a:prstClr val="black">
-                  <a:lumMod val="85000"/>
-                  <a:lumOff val="15000"/>
-                </a:prstClr>
-              </a:solidFill>
-            </a:endParaRPr>
           </a:p>
           <a:p>
             <a:pPr lvl="0">
@@ -6928,7 +6798,7 @@
               <a:buSzPct val="150000"/>
             </a:pPr>
             <a:r>
-              <a:rPr lang="en-US" sz="2000" dirty="0" smtClean="0">
+              <a:rPr lang="en-US" sz="2000" dirty="0">
                 <a:solidFill>
                   <a:prstClr val="black">
                     <a:lumMod val="85000"/>
@@ -6938,14 +6808,6 @@
               </a:rPr>
               <a:t>6.1</a:t>
             </a:r>
-            <a:endParaRPr lang="en-US" sz="2000" dirty="0">
-              <a:solidFill>
-                <a:prstClr val="black">
-                  <a:lumMod val="85000"/>
-                  <a:lumOff val="15000"/>
-                </a:prstClr>
-              </a:solidFill>
-            </a:endParaRPr>
           </a:p>
           <a:p>
             <a:pPr lvl="0">
@@ -7036,7 +6898,7 @@
               <a:buSzPct val="150000"/>
             </a:pPr>
             <a:r>
-              <a:rPr lang="en-US" sz="2000" dirty="0" smtClean="0">
+              <a:rPr lang="en-US" sz="2000" dirty="0">
                 <a:solidFill>
                   <a:prstClr val="black">
                     <a:lumMod val="85000"/>
@@ -7300,7 +7162,7 @@
               <a:buSzPct val="150000"/>
             </a:pPr>
             <a:r>
-              <a:rPr lang="en-US" sz="2000" dirty="0" smtClean="0">
+              <a:rPr lang="en-US" sz="2000" dirty="0">
                 <a:solidFill>
                   <a:prstClr val="black">
                     <a:lumMod val="85000"/>
@@ -7310,14 +7172,6 @@
               </a:rPr>
               <a:t>32</a:t>
             </a:r>
-            <a:endParaRPr lang="en-US" sz="2000" dirty="0">
-              <a:solidFill>
-                <a:prstClr val="black">
-                  <a:lumMod val="85000"/>
-                  <a:lumOff val="15000"/>
-                </a:prstClr>
-              </a:solidFill>
-            </a:endParaRPr>
           </a:p>
           <a:p>
             <a:pPr lvl="0">
@@ -7386,7 +7240,7 @@
               <a:buSzPct val="150000"/>
             </a:pPr>
             <a:r>
-              <a:rPr lang="en-US" sz="2000" dirty="0" smtClean="0">
+              <a:rPr lang="en-US" sz="2000" dirty="0">
                 <a:solidFill>
                   <a:prstClr val="black">
                     <a:lumMod val="85000"/>
@@ -7396,14 +7250,6 @@
               </a:rPr>
               <a:t>0.039</a:t>
             </a:r>
-            <a:endParaRPr lang="en-US" sz="2000" dirty="0">
-              <a:solidFill>
-                <a:prstClr val="black">
-                  <a:lumMod val="85000"/>
-                  <a:lumOff val="15000"/>
-                </a:prstClr>
-              </a:solidFill>
-            </a:endParaRPr>
           </a:p>
           <a:p>
             <a:pPr lvl="0">
@@ -7419,7 +7265,7 @@
               <a:buSzPct val="150000"/>
             </a:pPr>
             <a:r>
-              <a:rPr lang="en-US" sz="2000" dirty="0" smtClean="0">
+              <a:rPr lang="en-US" sz="2000" dirty="0">
                 <a:solidFill>
                   <a:prstClr val="black">
                     <a:lumMod val="85000"/>
@@ -7429,14 +7275,6 @@
               </a:rPr>
               <a:t>5.5</a:t>
             </a:r>
-            <a:endParaRPr lang="en-US" sz="2000" dirty="0">
-              <a:solidFill>
-                <a:prstClr val="black">
-                  <a:lumMod val="85000"/>
-                  <a:lumOff val="15000"/>
-                </a:prstClr>
-              </a:solidFill>
-            </a:endParaRPr>
           </a:p>
           <a:p>
             <a:pPr lvl="0">
@@ -7452,7 +7290,7 @@
               <a:buSzPct val="150000"/>
             </a:pPr>
             <a:r>
-              <a:rPr lang="en-US" sz="2000" dirty="0" smtClean="0">
+              <a:rPr lang="en-US" sz="2000" dirty="0">
                 <a:solidFill>
                   <a:prstClr val="black">
                     <a:lumMod val="85000"/>
@@ -7462,14 +7300,6 @@
               </a:rPr>
               <a:t>5.29</a:t>
             </a:r>
-            <a:endParaRPr lang="en-US" sz="2000" dirty="0">
-              <a:solidFill>
-                <a:prstClr val="black">
-                  <a:lumMod val="85000"/>
-                  <a:lumOff val="15000"/>
-                </a:prstClr>
-              </a:solidFill>
-            </a:endParaRPr>
           </a:p>
           <a:p>
             <a:pPr lvl="0">
@@ -7485,7 +7315,7 @@
               <a:buSzPct val="150000"/>
             </a:pPr>
             <a:r>
-              <a:rPr lang="en-US" sz="2000" dirty="0" smtClean="0">
+              <a:rPr lang="en-US" sz="2000" dirty="0">
                 <a:solidFill>
                   <a:prstClr val="black">
                     <a:lumMod val="85000"/>
@@ -7495,14 +7325,6 @@
               </a:rPr>
               <a:t>0.32</a:t>
             </a:r>
-            <a:endParaRPr lang="en-US" sz="2000" dirty="0">
-              <a:solidFill>
-                <a:prstClr val="black">
-                  <a:lumMod val="85000"/>
-                  <a:lumOff val="15000"/>
-                </a:prstClr>
-              </a:solidFill>
-            </a:endParaRPr>
           </a:p>
           <a:p>
             <a:pPr lvl="0">
@@ -7568,7 +7390,7 @@
               <a:buSzPct val="150000"/>
             </a:pPr>
             <a:r>
-              <a:rPr lang="en-US" sz="2000" dirty="0" smtClean="0">
+              <a:rPr lang="en-US" sz="2000" dirty="0">
                 <a:solidFill>
                   <a:prstClr val="black">
                     <a:lumMod val="85000"/>
@@ -7662,7 +7484,7 @@
           </a:lstStyle>
           <a:p>
             <a:r>
-              <a:rPr lang="en-US" sz="2000" dirty="0" smtClean="0">
+              <a:rPr lang="en-US" sz="2000" dirty="0">
                 <a:solidFill>
                   <a:srgbClr val="FF0000"/>
                 </a:solidFill>
@@ -8176,13 +7998,6 @@
   <p:transition spd="slow">
     <p:push dir="u"/>
   </p:transition>
-  <p:timing>
-    <p:tnLst>
-      <p:par>
-        <p:cTn id="1" dur="indefinite" restart="never" nodeType="tmRoot"/>
-      </p:par>
-    </p:tnLst>
-  </p:timing>
 </p:sld>
 </file>
 
@@ -8245,10 +8060,9 @@
           <a:lstStyle/>
           <a:p>
             <a:r>
-              <a:rPr lang="en-US" dirty="0" smtClean="0"/>
+              <a:rPr lang="en-US" dirty="0"/>
               <a:t>Categorical prediction | Regression prediction </a:t>
             </a:r>
-            <a:endParaRPr lang="en-US" dirty="0"/>
           </a:p>
           <a:p>
             <a:endParaRPr lang="he-IL" dirty="0"/>
@@ -8268,13 +8082,6 @@
   <p:transition spd="slow">
     <p:push dir="u"/>
   </p:transition>
-  <p:timing>
-    <p:tnLst>
-      <p:par>
-        <p:cTn id="1" dur="indefinite" restart="never" nodeType="tmRoot"/>
-      </p:par>
-    </p:tnLst>
-  </p:timing>
 </p:sld>
 </file>
 
@@ -8307,7 +8114,7 @@
         </p:nvSpPr>
         <p:spPr>
           <a:xfrm>
-            <a:off x="603504" y="2657475"/>
+            <a:off x="1106843" y="1197791"/>
             <a:ext cx="10780776" cy="1465792"/>
           </a:xfrm>
         </p:spPr>
@@ -8316,11 +8123,11 @@
           <a:lstStyle/>
           <a:p>
             <a:r>
-              <a:rPr lang="en-US" dirty="0" smtClean="0"/>
+              <a:rPr lang="en-US" dirty="0"/>
               <a:t>Team </a:t>
             </a:r>
             <a:r>
-              <a:rPr lang="en-US" b="1" dirty="0" smtClean="0"/>
+              <a:rPr lang="en-US" b="1" dirty="0"/>
               <a:t>regression </a:t>
             </a:r>
             <a:endParaRPr lang="en-US" dirty="0"/>
@@ -8332,7 +8139,7 @@
           <p:cNvPr id="4" name="Picture 3">
             <a:extLst>
               <a:ext uri="{FF2B5EF4-FFF2-40B4-BE49-F238E27FC236}">
-                <a16:creationId xmlns:a16="http://schemas.microsoft.com/office/drawing/2014/main" xmlns="" id="{E87D92A8-684D-46DC-8EBC-D70DB1E2BC04}"/>
+                <a16:creationId xmlns:a16="http://schemas.microsoft.com/office/drawing/2014/main" id="{E87D92A8-684D-46DC-8EBC-D70DB1E2BC04}"/>
               </a:ext>
             </a:extLst>
           </p:cNvPr>
@@ -8386,7 +8193,7 @@
           <p:cNvPr id="5" name="Picture 2" descr="×ª××¦××ª ×ª××× × ×¢×××¨ âªelad toisterâ¬â">
             <a:extLst>
               <a:ext uri="{FF2B5EF4-FFF2-40B4-BE49-F238E27FC236}">
-                <a16:creationId xmlns:a16="http://schemas.microsoft.com/office/drawing/2014/main" xmlns="" id="{D3BEF9D7-2563-4330-9524-DD017657E30A}"/>
+                <a16:creationId xmlns:a16="http://schemas.microsoft.com/office/drawing/2014/main" id="{D3BEF9D7-2563-4330-9524-DD017657E30A}"/>
               </a:ext>
             </a:extLst>
           </p:cNvPr>
@@ -8456,7 +8263,7 @@
           <p:cNvPr id="6" name="TextBox 5">
             <a:extLst>
               <a:ext uri="{FF2B5EF4-FFF2-40B4-BE49-F238E27FC236}">
-                <a16:creationId xmlns:a16="http://schemas.microsoft.com/office/drawing/2014/main" xmlns="" id="{80AA319D-7D74-477E-BAB3-5DE2C8FE9BEC}"/>
+                <a16:creationId xmlns:a16="http://schemas.microsoft.com/office/drawing/2014/main" id="{80AA319D-7D74-477E-BAB3-5DE2C8FE9BEC}"/>
               </a:ext>
             </a:extLst>
           </p:cNvPr>
@@ -8504,7 +8311,7 @@
           <p:cNvPr id="7" name="TextBox 6">
             <a:extLst>
               <a:ext uri="{FF2B5EF4-FFF2-40B4-BE49-F238E27FC236}">
-                <a16:creationId xmlns:a16="http://schemas.microsoft.com/office/drawing/2014/main" xmlns="" id="{4C79A60F-ADB2-497C-ABD2-006F824A802A}"/>
+                <a16:creationId xmlns:a16="http://schemas.microsoft.com/office/drawing/2014/main" id="{4C79A60F-ADB2-497C-ABD2-006F824A802A}"/>
               </a:ext>
             </a:extLst>
           </p:cNvPr>
@@ -8530,11 +8337,7 @@
             <a:pPr algn="ctr"/>
             <a:r>
               <a:rPr lang="en-US" sz="3200" b="1" dirty="0"/>
-              <a:t>Yotam </a:t>
-            </a:r>
-            <a:r>
-              <a:rPr lang="en-US" sz="3200" b="1" dirty="0" smtClean="0"/>
-              <a:t>Nahum</a:t>
+              <a:t>Yotam Nahum</a:t>
             </a:r>
           </a:p>
         </p:txBody>
@@ -8963,11 +8766,7 @@
           <a:p>
             <a:r>
               <a:rPr lang="en-US" dirty="0"/>
-              <a:t>S</a:t>
-            </a:r>
-            <a:r>
-              <a:rPr lang="en-US" dirty="0" smtClean="0"/>
-              <a:t>uccess </a:t>
+              <a:t>Success </a:t>
             </a:r>
             <a:r>
               <a:rPr lang="en-US" b="1" dirty="0"/>
@@ -9022,13 +8821,6 @@
   <p:transition spd="slow">
     <p:push dir="u"/>
   </p:transition>
-  <p:timing>
-    <p:tnLst>
-      <p:par>
-        <p:cTn id="1" dur="indefinite" restart="never" nodeType="tmRoot"/>
-      </p:par>
-    </p:tnLst>
-  </p:timing>
 </p:sld>
 </file>
 
@@ -9075,10 +8867,9 @@
           <a:lstStyle/>
           <a:p>
             <a:r>
-              <a:rPr lang="en-US" sz="2800" dirty="0" smtClean="0"/>
+              <a:rPr lang="en-US" sz="2800" dirty="0"/>
               <a:t>Key parameters </a:t>
             </a:r>
-            <a:endParaRPr lang="en-US" sz="2800" dirty="0"/>
           </a:p>
         </p:txBody>
       </p:sp>
@@ -9296,10 +9087,9 @@
               <a:buChar char="o"/>
             </a:pPr>
             <a:r>
-              <a:rPr lang="en-US" sz="2000" dirty="0" smtClean="0"/>
+              <a:rPr lang="en-US" sz="2000" dirty="0"/>
               <a:t>Goal </a:t>
             </a:r>
-            <a:endParaRPr lang="en-US" sz="2000" dirty="0" smtClean="0"/>
           </a:p>
           <a:p>
             <a:pPr marL="400050" indent="-400050" fontAlgn="base">
@@ -9314,18 +9104,9 @@
               <a:buChar char="o"/>
             </a:pPr>
             <a:r>
-              <a:rPr lang="en-US" sz="2000" dirty="0" smtClean="0"/>
-              <a:t>Goal ratio (Goal\</a:t>
-            </a:r>
-            <a:r>
               <a:rPr lang="en-US" sz="2000" dirty="0"/>
-              <a:t>Last year mean </a:t>
-            </a:r>
-            <a:r>
-              <a:rPr lang="en-US" sz="2000" dirty="0" smtClean="0"/>
-              <a:t>Goal)</a:t>
-            </a:r>
-            <a:endParaRPr lang="en-US" sz="2000" dirty="0" smtClean="0"/>
+              <a:t>Goal ratio (Goal\Last year mean Goal)</a:t>
+            </a:r>
           </a:p>
           <a:p>
             <a:pPr marL="400050" indent="-400050" fontAlgn="base">
@@ -9340,14 +9121,9 @@
               <a:buChar char="o"/>
             </a:pPr>
             <a:r>
-              <a:rPr lang="en-US" sz="2000" dirty="0" smtClean="0"/>
-              <a:t>Period</a:t>
-            </a:r>
-            <a:r>
-              <a:rPr lang="en-US" sz="2000" dirty="0" smtClean="0"/>
-              <a:t> mean\median Goal</a:t>
-            </a:r>
-            <a:endParaRPr lang="en-US" sz="2000" dirty="0" smtClean="0"/>
+              <a:rPr lang="en-US" sz="2000" dirty="0"/>
+              <a:t>Period mean\median Goal</a:t>
+            </a:r>
           </a:p>
           <a:p>
             <a:pPr marL="400050" indent="-400050" fontAlgn="base">
@@ -9363,19 +9139,7 @@
             </a:pPr>
             <a:r>
               <a:rPr lang="en-US" sz="2000" dirty="0"/>
-              <a:t>Period mean\median</a:t>
-            </a:r>
-            <a:r>
-              <a:rPr lang="en-US" sz="2000" dirty="0" smtClean="0"/>
-              <a:t> </a:t>
-            </a:r>
-            <a:r>
-              <a:rPr lang="en-US" sz="2000" dirty="0" smtClean="0"/>
-              <a:t>pledged </a:t>
-            </a:r>
-            <a:r>
-              <a:rPr lang="en-US" sz="2000" dirty="0" smtClean="0"/>
-              <a:t>percent</a:t>
+              <a:t>Period mean\median pledged percent</a:t>
             </a:r>
           </a:p>
           <a:p>
@@ -9392,13 +9156,8 @@
             </a:pPr>
             <a:r>
               <a:rPr lang="en-US" sz="2000" dirty="0"/>
-              <a:t>Period mean\median </a:t>
-            </a:r>
-            <a:r>
-              <a:rPr lang="en-US" sz="2000" dirty="0" smtClean="0"/>
-              <a:t>total pledged</a:t>
-            </a:r>
-            <a:endParaRPr lang="en-US" sz="2000" dirty="0" smtClean="0"/>
+              <a:t>Period mean\median total pledged</a:t>
+            </a:r>
           </a:p>
           <a:p>
             <a:pPr marL="400050" indent="-400050" fontAlgn="base">
@@ -9413,12 +9172,8 @@
               <a:buChar char="o"/>
             </a:pPr>
             <a:r>
-              <a:rPr lang="en-US" sz="2000" dirty="0" smtClean="0"/>
-              <a:t>text </a:t>
-            </a:r>
-            <a:r>
-              <a:rPr lang="en-US" sz="2000" dirty="0" smtClean="0"/>
-              <a:t>parameters </a:t>
+              <a:rPr lang="en-US" sz="2000" dirty="0"/>
+              <a:t>text parameters </a:t>
             </a:r>
           </a:p>
           <a:p>
@@ -9434,7 +9189,7 @@
               <a:buChar char="o"/>
             </a:pPr>
             <a:r>
-              <a:rPr lang="en-US" sz="2000" dirty="0" smtClean="0"/>
+              <a:rPr lang="en-US" sz="2000" dirty="0"/>
               <a:t>US</a:t>
             </a:r>
           </a:p>
@@ -9451,7 +9206,7 @@
               <a:buChar char="o"/>
             </a:pPr>
             <a:r>
-              <a:rPr lang="en-US" sz="2000" dirty="0" smtClean="0"/>
+              <a:rPr lang="en-US" sz="2000" dirty="0"/>
               <a:t>Campaign categories</a:t>
             </a:r>
           </a:p>
@@ -9468,7 +9223,7 @@
               <a:buChar char="o"/>
             </a:pPr>
             <a:r>
-              <a:rPr lang="en-US" sz="2000" dirty="0" smtClean="0"/>
+              <a:rPr lang="en-US" sz="2000" dirty="0"/>
               <a:t>Launched-created length </a:t>
             </a:r>
           </a:p>
@@ -9503,11 +9258,7 @@
             </a:pPr>
             <a:r>
               <a:rPr lang="en-US" sz="2000" dirty="0"/>
-              <a:t>Market </a:t>
-            </a:r>
-            <a:r>
-              <a:rPr lang="en-US" sz="2000" dirty="0" smtClean="0"/>
-              <a:t>saturation</a:t>
+              <a:t>Market saturation</a:t>
             </a:r>
           </a:p>
           <a:p>
@@ -9553,13 +9304,6 @@
   <p:transition spd="slow">
     <p:push dir="u"/>
   </p:transition>
-  <p:timing>
-    <p:tnLst>
-      <p:par>
-        <p:cTn id="1" dur="indefinite" restart="never" nodeType="tmRoot"/>
-      </p:par>
-    </p:tnLst>
-  </p:timing>
 </p:sld>
 </file>
 
@@ -9655,13 +9399,6 @@
   <p:transition spd="slow">
     <p:push dir="u"/>
   </p:transition>
-  <p:timing>
-    <p:tnLst>
-      <p:par>
-        <p:cTn id="1" dur="indefinite" restart="never" nodeType="tmRoot"/>
-      </p:par>
-    </p:tnLst>
-  </p:timing>
 </p:sld>
 </file>
 
@@ -9922,13 +9659,6 @@
   <p:transition spd="slow">
     <p:push dir="u"/>
   </p:transition>
-  <p:timing>
-    <p:tnLst>
-      <p:par>
-        <p:cTn id="1" dur="indefinite" restart="never" nodeType="tmRoot"/>
-      </p:par>
-    </p:tnLst>
-  </p:timing>
 </p:sld>
 </file>
 
@@ -9965,7 +9695,7 @@
           <a:lstStyle/>
           <a:p>
             <a:r>
-              <a:rPr lang="en-US" dirty="0" smtClean="0"/>
+              <a:rPr lang="en-US" dirty="0"/>
               <a:t>Pledged </a:t>
             </a:r>
             <a:r>
@@ -9999,18 +9729,9 @@
           <a:lstStyle/>
           <a:p>
             <a:r>
-              <a:rPr lang="en-US" dirty="0" smtClean="0"/>
-              <a:t>Polynomial </a:t>
-            </a:r>
-            <a:r>
               <a:rPr lang="en-US" dirty="0"/>
-              <a:t>R</a:t>
-            </a:r>
-            <a:r>
-              <a:rPr lang="en-US" dirty="0" smtClean="0"/>
-              <a:t>egression </a:t>
-            </a:r>
-            <a:endParaRPr lang="en-US" dirty="0"/>
+              <a:t>Polynomial Regression </a:t>
+            </a:r>
           </a:p>
           <a:p>
             <a:endParaRPr lang="en-US" dirty="0"/>
@@ -10030,13 +9751,6 @@
   <p:transition spd="slow">
     <p:push dir="u"/>
   </p:transition>
-  <p:timing>
-    <p:tnLst>
-      <p:par>
-        <p:cTn id="1" dur="indefinite" restart="never" nodeType="tmRoot"/>
-      </p:par>
-    </p:tnLst>
-  </p:timing>
 </p:sld>
 </file>
 
@@ -10102,10 +9816,9 @@
           </a:lstStyle>
           <a:p>
             <a:r>
-              <a:rPr lang="en-US" sz="2800" dirty="0" smtClean="0"/>
+              <a:rPr lang="en-US" sz="2800" dirty="0"/>
               <a:t>USD Pledged </a:t>
             </a:r>
-            <a:endParaRPr lang="en-US" sz="2800" dirty="0"/>
           </a:p>
         </p:txBody>
       </p:sp>
@@ -10154,18 +9867,9 @@
           </a:lstStyle>
           <a:p>
             <a:r>
-              <a:rPr lang="en-US" sz="2200" dirty="0" smtClean="0"/>
-              <a:t>Residual</a:t>
-            </a:r>
-            <a:r>
               <a:rPr lang="en-US" sz="2200" dirty="0"/>
-              <a:t>% = (Y-predicted - Y-test</a:t>
-            </a:r>
-            <a:r>
-              <a:rPr lang="en-US" sz="2200" dirty="0" smtClean="0"/>
-              <a:t>) / Y-Test</a:t>
-            </a:r>
-            <a:endParaRPr lang="en-US" sz="2200" dirty="0"/>
+              <a:t>Residual% = (Y-predicted - Y-test) / Y-Test</a:t>
+            </a:r>
           </a:p>
         </p:txBody>
       </p:sp>
@@ -10214,10 +9918,9 @@
           </a:lstStyle>
           <a:p>
             <a:r>
-              <a:rPr lang="en-US" sz="2800" dirty="0" smtClean="0"/>
+              <a:rPr lang="en-US" sz="2800" dirty="0"/>
               <a:t>Pledge prediction </a:t>
             </a:r>
-            <a:endParaRPr lang="en-US" sz="2800" dirty="0"/>
           </a:p>
         </p:txBody>
       </p:sp>
@@ -10266,10 +9969,9 @@
           </a:lstStyle>
           <a:p>
             <a:r>
-              <a:rPr lang="en-US" sz="2800" dirty="0" smtClean="0"/>
+              <a:rPr lang="en-US" sz="2800" dirty="0"/>
               <a:t>Polynomial Regression </a:t>
             </a:r>
-            <a:endParaRPr lang="en-US" sz="2800" dirty="0"/>
           </a:p>
         </p:txBody>
       </p:sp>
@@ -10330,7 +10032,7 @@
               </a:lnSpc>
             </a:pPr>
             <a:r>
-              <a:rPr lang="en-US" sz="2400" b="1" dirty="0" smtClean="0"/>
+              <a:rPr lang="en-US" sz="2400" b="1" dirty="0"/>
               <a:t>Conservative prediction </a:t>
             </a:r>
           </a:p>
@@ -10341,10 +10043,9 @@
               </a:lnSpc>
             </a:pPr>
             <a:r>
-              <a:rPr lang="en-US" sz="2000" dirty="0" smtClean="0"/>
+              <a:rPr lang="en-US" sz="2000" dirty="0"/>
               <a:t>Pledged percent 100%-250%</a:t>
             </a:r>
-            <a:endParaRPr lang="en-US" sz="2000" dirty="0"/>
           </a:p>
           <a:p>
             <a:pPr>
@@ -10362,13 +10063,8 @@
             </a:r>
             <a:r>
               <a:rPr lang="en-US" sz="2000" b="1" dirty="0"/>
-              <a:t> </a:t>
-            </a:r>
-            <a:r>
-              <a:rPr lang="en-US" sz="2000" b="1" dirty="0" smtClean="0"/>
-              <a:t>= 0.93</a:t>
-            </a:r>
-            <a:endParaRPr lang="en-US" sz="2000" b="1" dirty="0"/>
+              <a:t> = 0.93</a:t>
+            </a:r>
           </a:p>
         </p:txBody>
       </p:sp>
@@ -10399,12 +10095,8 @@
               </a:lnSpc>
             </a:pPr>
             <a:r>
-              <a:rPr lang="en-US" sz="2400" b="1" dirty="0" smtClean="0"/>
-              <a:t>Risky </a:t>
-            </a:r>
-            <a:r>
               <a:rPr lang="en-US" sz="2400" b="1" dirty="0"/>
-              <a:t>prediction </a:t>
+              <a:t>Risky prediction </a:t>
             </a:r>
           </a:p>
           <a:p>
@@ -10415,17 +10107,8 @@
             </a:pPr>
             <a:r>
               <a:rPr lang="en-US" sz="2000" dirty="0"/>
-              <a:t>Pledged percent </a:t>
-            </a:r>
-            <a:r>
-              <a:rPr lang="en-US" sz="2000" dirty="0" smtClean="0"/>
-              <a:t>100</a:t>
-            </a:r>
-            <a:r>
-              <a:rPr lang="en-US" sz="2000" dirty="0" smtClean="0"/>
-              <a:t>%-600%</a:t>
-            </a:r>
-            <a:endParaRPr lang="en-US" sz="2000" dirty="0"/>
+              <a:t>Pledged percent 100%-600%</a:t>
+            </a:r>
           </a:p>
           <a:p>
             <a:pPr>
@@ -10443,13 +10126,8 @@
             </a:r>
             <a:r>
               <a:rPr lang="en-US" sz="2000" b="1" dirty="0"/>
-              <a:t> </a:t>
-            </a:r>
-            <a:r>
-              <a:rPr lang="en-US" sz="2000" b="1" dirty="0" smtClean="0"/>
-              <a:t>= 0.83</a:t>
-            </a:r>
-            <a:endParaRPr lang="en-US" sz="2000" b="1" dirty="0"/>
+              <a:t> = 0.83</a:t>
+            </a:r>
           </a:p>
         </p:txBody>
       </p:sp>
@@ -10466,13 +10144,6 @@
   <p:transition spd="slow">
     <p:push dir="u"/>
   </p:transition>
-  <p:timing>
-    <p:tnLst>
-      <p:par>
-        <p:cTn id="1" dur="indefinite" restart="never" nodeType="tmRoot"/>
-      </p:par>
-    </p:tnLst>
-  </p:timing>
 </p:sld>
 </file>
 
@@ -10542,13 +10213,6 @@
   <p:transition spd="slow">
     <p:push dir="u"/>
   </p:transition>
-  <p:timing>
-    <p:tnLst>
-      <p:par>
-        <p:cTn id="1" dur="indefinite" restart="never" nodeType="tmRoot"/>
-      </p:par>
-    </p:tnLst>
-  </p:timing>
 </p:sld>
 </file>
 
@@ -10603,10 +10267,9 @@
               <a:buChar char="o"/>
             </a:pPr>
             <a:r>
-              <a:rPr lang="en-US" dirty="0" smtClean="0"/>
+              <a:rPr lang="en-US" dirty="0"/>
               <a:t>Success prediction and pledged prediction- two separate steps:</a:t>
             </a:r>
-            <a:endParaRPr lang="en-US" dirty="0"/>
           </a:p>
           <a:p>
             <a:pPr marL="968375" lvl="2" indent="-284163" fontAlgn="base">
@@ -10621,22 +10284,21 @@
               <a:buChar char="o"/>
             </a:pPr>
             <a:r>
-              <a:rPr lang="en-US" b="1" dirty="0" smtClean="0"/>
+              <a:rPr lang="en-US" b="1" dirty="0"/>
               <a:t>The first step </a:t>
             </a:r>
             <a:r>
-              <a:rPr lang="en-US" dirty="0" smtClean="0"/>
-              <a:t>is to set the pledge goal to the real amount of money the campaign need (</a:t>
-            </a:r>
-            <a:r>
-              <a:rPr lang="en-US" b="1" dirty="0" smtClean="0"/>
+              <a:rPr lang="en-US" dirty="0"/>
+              <a:t>is to set the pledge goal (informal – known only to the entrepreneurs) to the real amount of money the campaign need (using </a:t>
+            </a:r>
+            <a:r>
+              <a:rPr lang="en-US" b="1" dirty="0"/>
               <a:t>polynomial regression</a:t>
             </a:r>
             <a:r>
-              <a:rPr lang="en-US" dirty="0" smtClean="0"/>
+              <a:rPr lang="en-US" dirty="0"/>
               <a:t>)</a:t>
             </a:r>
-            <a:endParaRPr lang="en-US" dirty="0"/>
           </a:p>
           <a:p>
             <a:pPr marL="968375" lvl="2" indent="-284163" fontAlgn="base">
@@ -10651,35 +10313,27 @@
               <a:buChar char="o"/>
             </a:pPr>
             <a:r>
-              <a:rPr lang="en-US" b="1" dirty="0" smtClean="0"/>
+              <a:rPr lang="en-US" b="1" dirty="0"/>
               <a:t>The second step </a:t>
             </a:r>
             <a:r>
-              <a:rPr lang="en-US" dirty="0" smtClean="0"/>
-              <a:t>is to find the goal that will be </a:t>
-            </a:r>
-            <a:r>
               <a:rPr lang="en-US" dirty="0"/>
-              <a:t>low </a:t>
-            </a:r>
-            <a:r>
-              <a:rPr lang="en-US" dirty="0" smtClean="0"/>
-              <a:t>enough to make a successful campaign (to ‘’close’’ the raise) and high </a:t>
+              <a:t>is to find the formal goal (to be published in </a:t>
+            </a:r>
+            <a:r>
+              <a:rPr lang="en-US" dirty="0" err="1"/>
+              <a:t>kickstarter</a:t>
             </a:r>
             <a:r>
               <a:rPr lang="en-US" dirty="0"/>
-              <a:t>enough </a:t>
-            </a:r>
-            <a:r>
-              <a:rPr lang="en-US" dirty="0" smtClean="0"/>
-              <a:t>to lead to the pledge goal (</a:t>
-            </a:r>
-            <a:r>
-              <a:rPr lang="en-US" b="1" dirty="0" smtClean="0"/>
+              <a:t>) that will be low enough to increase funding success chances and high enough to reach the actual pledge goal (using </a:t>
+            </a:r>
+            <a:r>
+              <a:rPr lang="en-US" b="1" dirty="0"/>
               <a:t>categorical prediction</a:t>
             </a:r>
             <a:r>
-              <a:rPr lang="en-US" dirty="0" smtClean="0"/>
+              <a:rPr lang="en-US" dirty="0"/>
               <a:t>)</a:t>
             </a:r>
           </a:p>
@@ -10696,22 +10350,17 @@
               <a:buChar char="o"/>
             </a:pPr>
             <a:r>
-              <a:rPr lang="en-US" dirty="0" smtClean="0"/>
+              <a:rPr lang="en-US" dirty="0"/>
               <a:t>The </a:t>
             </a:r>
             <a:r>
-              <a:rPr lang="en-US" b="1" dirty="0" smtClean="0"/>
+              <a:rPr lang="en-US" b="1" dirty="0"/>
               <a:t>market state info </a:t>
             </a:r>
             <a:r>
-              <a:rPr lang="en-US" dirty="0" smtClean="0"/>
-              <a:t>has more influence then the campaign ‘’dry’’ </a:t>
-            </a:r>
-            <a:r>
               <a:rPr lang="en-US" dirty="0"/>
-              <a:t>attributes </a:t>
-            </a:r>
-            <a:endParaRPr lang="en-US" dirty="0" smtClean="0"/>
+              <a:t>has more influence then the campaign ‘’dry’’ attributes </a:t>
+            </a:r>
           </a:p>
           <a:p>
             <a:pPr marL="684213" indent="-341313" fontAlgn="base">
@@ -10726,19 +10375,15 @@
               <a:buChar char="o"/>
             </a:pPr>
             <a:r>
-              <a:rPr lang="en-US" dirty="0" smtClean="0"/>
-              <a:t>The </a:t>
-            </a:r>
-            <a:r>
-              <a:rPr lang="en-US" dirty="0" smtClean="0"/>
-              <a:t>higher the </a:t>
-            </a:r>
-            <a:r>
-              <a:rPr lang="en-US" b="1" dirty="0" smtClean="0"/>
+              <a:rPr lang="en-US" dirty="0"/>
+              <a:t>The higher the </a:t>
+            </a:r>
+            <a:r>
+              <a:rPr lang="en-US" b="1" dirty="0"/>
               <a:t>pledge percent</a:t>
             </a:r>
             <a:r>
-              <a:rPr lang="en-US" dirty="0" smtClean="0"/>
+              <a:rPr lang="en-US" dirty="0"/>
               <a:t>, the lower the predict precision </a:t>
             </a:r>
           </a:p>
@@ -10816,10 +10461,9 @@
           </a:lstStyle>
           <a:p>
             <a:r>
-              <a:rPr lang="en-US" sz="2800" dirty="0" smtClean="0"/>
+              <a:rPr lang="en-US" sz="2800" dirty="0"/>
               <a:t>Insights </a:t>
             </a:r>
-            <a:endParaRPr lang="en-US" sz="2800" dirty="0"/>
           </a:p>
         </p:txBody>
       </p:sp>
@@ -10836,13 +10480,6 @@
   <p:transition spd="slow">
     <p:push/>
   </p:transition>
-  <p:timing>
-    <p:tnLst>
-      <p:par>
-        <p:cTn id="1" dur="indefinite" restart="never" nodeType="tmRoot"/>
-      </p:par>
-    </p:tnLst>
-  </p:timing>
 </p:sld>
 </file>
 
@@ -10884,11 +10521,11 @@
           <a:lstStyle/>
           <a:p>
             <a:r>
-              <a:rPr lang="en-US" dirty="0" smtClean="0"/>
+              <a:rPr lang="en-US" dirty="0"/>
               <a:t>Next </a:t>
             </a:r>
             <a:r>
-              <a:rPr lang="en-US" b="1" dirty="0" smtClean="0"/>
+              <a:rPr lang="en-US" b="1" dirty="0"/>
               <a:t>time</a:t>
             </a:r>
             <a:endParaRPr lang="en-US" dirty="0"/>
@@ -10911,7 +10548,7 @@
           <a:lstStyle/>
           <a:p>
             <a:r>
-              <a:rPr lang="en-US" dirty="0" smtClean="0"/>
+              <a:rPr lang="en-US" dirty="0"/>
               <a:t>The product</a:t>
             </a:r>
             <a:endParaRPr lang="he-IL" dirty="0"/>
@@ -10931,13 +10568,6 @@
   <p:transition spd="slow">
     <p:push dir="u"/>
   </p:transition>
-  <p:timing>
-    <p:tnLst>
-      <p:par>
-        <p:cTn id="1" dur="indefinite" restart="never" nodeType="tmRoot"/>
-      </p:par>
-    </p:tnLst>
-  </p:timing>
 </p:sld>
 </file>
 
@@ -10992,12 +10622,12 @@
               <a:buChar char="o"/>
             </a:pPr>
             <a:r>
-              <a:rPr lang="en-US" dirty="0" smtClean="0"/>
+              <a:rPr lang="en-US" dirty="0"/>
               <a:t>A </a:t>
             </a:r>
             <a:r>
-              <a:rPr lang="en-US" b="1" dirty="0" smtClean="0"/>
-              <a:t>Web interface</a:t>
+              <a:rPr lang="en-US" b="1" dirty="0"/>
+              <a:t>User interface</a:t>
             </a:r>
           </a:p>
           <a:p>
@@ -11013,19 +10643,19 @@
               <a:buChar char="o"/>
             </a:pPr>
             <a:r>
-              <a:rPr lang="en-US" dirty="0" smtClean="0"/>
+              <a:rPr lang="en-US" dirty="0"/>
               <a:t>Fill out the </a:t>
             </a:r>
             <a:r>
-              <a:rPr lang="en-US" b="1" dirty="0" smtClean="0"/>
+              <a:rPr lang="en-US" b="1" dirty="0"/>
               <a:t>campaign description </a:t>
             </a:r>
             <a:r>
-              <a:rPr lang="en-US" dirty="0" smtClean="0"/>
+              <a:rPr lang="en-US" dirty="0"/>
               <a:t>and the </a:t>
             </a:r>
             <a:r>
-              <a:rPr lang="en-US" b="1" dirty="0" smtClean="0"/>
+              <a:rPr lang="en-US" b="1" dirty="0"/>
               <a:t>real pledge goal</a:t>
             </a:r>
           </a:p>
@@ -11043,15 +10673,7 @@
             </a:pPr>
             <a:r>
               <a:rPr lang="en-US" dirty="0"/>
-              <a:t>we aim to campaigns between 1,000</a:t>
-            </a:r>
-            <a:r>
-              <a:rPr lang="en-US" dirty="0" smtClean="0"/>
-              <a:t>$ to 100,000</a:t>
-            </a:r>
-            <a:r>
-              <a:rPr lang="en-US" dirty="0"/>
-              <a:t>$</a:t>
+              <a:t>we aim to campaigns between 1,000$ to 100,000$</a:t>
             </a:r>
           </a:p>
           <a:p>
@@ -11067,22 +10689,17 @@
               <a:buChar char="o"/>
             </a:pPr>
             <a:r>
-              <a:rPr lang="en-US" dirty="0" smtClean="0"/>
+              <a:rPr lang="en-US" dirty="0"/>
               <a:t>Get </a:t>
             </a:r>
             <a:r>
-              <a:rPr lang="en-US" b="1" dirty="0" smtClean="0"/>
+              <a:rPr lang="en-US" b="1" dirty="0"/>
               <a:t>betterment recommendations</a:t>
             </a:r>
             <a:r>
-              <a:rPr lang="en-US" dirty="0" smtClean="0"/>
-              <a:t> for your </a:t>
-            </a:r>
-            <a:r>
               <a:rPr lang="en-US" dirty="0"/>
-              <a:t>attributes </a:t>
-            </a:r>
-            <a:endParaRPr lang="en-US" dirty="0" smtClean="0"/>
+              <a:t> for your attributes </a:t>
+            </a:r>
           </a:p>
           <a:p>
             <a:pPr marL="689420" lvl="1" fontAlgn="base">
@@ -11097,14 +10714,14 @@
               <a:buChar char="o"/>
             </a:pPr>
             <a:r>
-              <a:rPr lang="en-US" dirty="0" smtClean="0"/>
+              <a:rPr lang="en-US" dirty="0"/>
               <a:t>get your Kickstarter campaign </a:t>
             </a:r>
             <a:r>
-              <a:rPr lang="en-US" b="1" dirty="0" smtClean="0"/>
+              <a:rPr lang="en-US" b="1" dirty="0"/>
               <a:t>goal!</a:t>
             </a:r>
-            <a:endParaRPr lang="en-US" dirty="0" smtClean="0"/>
+            <a:endParaRPr lang="en-US" dirty="0"/>
           </a:p>
           <a:p>
             <a:pPr marL="689420" lvl="1" fontAlgn="base">
@@ -11118,7 +10735,7 @@
               <a:buFont typeface="Courier New" panose="02070309020205020404" pitchFamily="49" charset="0"/>
               <a:buChar char="o"/>
             </a:pPr>
-            <a:endParaRPr lang="en-US" dirty="0" smtClean="0"/>
+            <a:endParaRPr lang="en-US" dirty="0"/>
           </a:p>
           <a:p>
             <a:pPr marL="689420" lvl="1" fontAlgn="base">
@@ -11132,7 +10749,7 @@
               <a:buFont typeface="Courier New" panose="02070309020205020404" pitchFamily="49" charset="0"/>
               <a:buChar char="o"/>
             </a:pPr>
-            <a:endParaRPr lang="en-US" b="1" dirty="0" smtClean="0"/>
+            <a:endParaRPr lang="en-US" b="1" dirty="0"/>
           </a:p>
           <a:p>
             <a:pPr marL="689420" lvl="1" fontAlgn="base">
@@ -11209,10 +10826,9 @@
           </a:lstStyle>
           <a:p>
             <a:r>
-              <a:rPr lang="en-US" sz="2800" dirty="0" smtClean="0"/>
+              <a:rPr lang="en-US" sz="2800" dirty="0"/>
               <a:t>The product</a:t>
             </a:r>
-            <a:endParaRPr lang="en-US" sz="2800" dirty="0"/>
           </a:p>
         </p:txBody>
       </p:sp>
@@ -11229,13 +10845,6 @@
   <p:transition spd="slow">
     <p:push/>
   </p:transition>
-  <p:timing>
-    <p:tnLst>
-      <p:par>
-        <p:cTn id="1" dur="indefinite" restart="never" nodeType="tmRoot"/>
-      </p:par>
-    </p:tnLst>
-  </p:timing>
 </p:sld>
 </file>
 
@@ -11309,11 +10918,7 @@
             </a:r>
             <a:r>
               <a:rPr lang="en-US"/>
-              <a:t>| </a:t>
-            </a:r>
-            <a:r>
-              <a:rPr lang="en-US" smtClean="0"/>
-              <a:t>Insight </a:t>
+              <a:t>| Insight </a:t>
             </a:r>
             <a:r>
               <a:rPr lang="en-US" dirty="0"/>
@@ -11335,13 +10940,6 @@
   <p:transition spd="slow">
     <p:push/>
   </p:transition>
-  <p:timing>
-    <p:tnLst>
-      <p:par>
-        <p:cTn id="1" dur="indefinite" restart="never" nodeType="tmRoot"/>
-      </p:par>
-    </p:tnLst>
-  </p:timing>
 </p:sld>
 </file>
 
@@ -11416,13 +11014,6 @@
   <p:transition spd="slow">
     <p:push dir="u"/>
   </p:transition>
-  <p:timing>
-    <p:tnLst>
-      <p:par>
-        <p:cTn id="1" dur="indefinite" restart="never" nodeType="tmRoot"/>
-      </p:par>
-    </p:tnLst>
-  </p:timing>
 </p:sld>
 </file>
 
@@ -12204,7 +11795,7 @@
           <a:p>
             <a:r>
               <a:rPr lang="en-US" dirty="0"/>
-              <a:t>the most profitable </a:t>
+              <a:t>the most successful in fund raising. </a:t>
             </a:r>
             <a:endParaRPr lang="en-US" i="1" dirty="0"/>
           </a:p>
@@ -12223,13 +11814,6 @@
   <p:transition spd="slow">
     <p:push/>
   </p:transition>
-  <p:timing>
-    <p:tnLst>
-      <p:par>
-        <p:cTn id="1" dur="indefinite" restart="never" nodeType="tmRoot"/>
-      </p:par>
-    </p:tnLst>
-  </p:timing>
 </p:sld>
 </file>
 
@@ -12402,13 +11986,6 @@
   <p:transition spd="slow">
     <p:push dir="u"/>
   </p:transition>
-  <p:timing>
-    <p:tnLst>
-      <p:par>
-        <p:cTn id="1" dur="indefinite" restart="never" nodeType="tmRoot"/>
-      </p:par>
-    </p:tnLst>
-  </p:timing>
 </p:sld>
 </file>
 
@@ -12478,15 +12055,7 @@
           <a:p>
             <a:r>
               <a:rPr lang="en-US" dirty="0"/>
-              <a:t>High </a:t>
-            </a:r>
-            <a:r>
-              <a:rPr lang="en-US" dirty="0" smtClean="0"/>
-              <a:t>Goal=Bad </a:t>
-            </a:r>
-            <a:r>
-              <a:rPr lang="en-US" dirty="0"/>
-              <a:t>Odds</a:t>
+              <a:t>High Goal=Bad Odds</a:t>
             </a:r>
             <a:endParaRPr lang="en-US" i="1" dirty="0"/>
           </a:p>
@@ -12505,13 +12074,6 @@
   <p:transition spd="slow">
     <p:push/>
   </p:transition>
-  <p:timing>
-    <p:tnLst>
-      <p:par>
-        <p:cTn id="1" dur="indefinite" restart="never" nodeType="tmRoot"/>
-      </p:par>
-    </p:tnLst>
-  </p:timing>
 </p:sld>
 </file>
 
@@ -12718,13 +12280,6 @@
   <p:transition spd="slow">
     <p:push dir="u"/>
   </p:transition>
-  <p:timing>
-    <p:tnLst>
-      <p:par>
-        <p:cTn id="1" dur="indefinite" restart="never" nodeType="tmRoot"/>
-      </p:par>
-    </p:tnLst>
-  </p:timing>
 </p:sld>
 </file>
 
@@ -12813,13 +12368,6 @@
   <p:transition spd="slow">
     <p:push/>
   </p:transition>
-  <p:timing>
-    <p:tnLst>
-      <p:par>
-        <p:cTn id="1" dur="indefinite" restart="never" nodeType="tmRoot"/>
-      </p:par>
-    </p:tnLst>
-  </p:timing>
 </p:sld>
 </file>
 
